--- a/Bank Marketing Module 3.pptx
+++ b/Bank Marketing Module 3.pptx
@@ -7456,37 +7456,9 @@
           </a:p>
         </p:txBody>
       </p:sp>
-      <p:pic>
-        <p:nvPicPr>
-          <p:cNvPr id="80" name="Google Shape;80;p16"/>
-          <p:cNvPicPr preferRelativeResize="0"/>
-          <p:nvPr/>
-        </p:nvPicPr>
-        <p:blipFill>
-          <a:blip r:embed="rId3">
-            <a:alphaModFix/>
-          </a:blip>
-          <a:stretch>
-            <a:fillRect/>
-          </a:stretch>
-        </p:blipFill>
-        <p:spPr>
-          <a:xfrm>
-            <a:off x="3927875" y="1137200"/>
-            <a:ext cx="4848051" cy="3641174"/>
-          </a:xfrm>
-          <a:prstGeom prst="rect">
-            <a:avLst/>
-          </a:prstGeom>
-          <a:noFill/>
-          <a:ln>
-            <a:noFill/>
-          </a:ln>
-        </p:spPr>
-      </p:pic>
       <p:sp>
         <p:nvSpPr>
-          <p:cNvPr id="81" name="Google Shape;81;p16"/>
+          <p:cNvPr id="80" name="Google Shape;80;p16"/>
           <p:cNvSpPr txBox="1"/>
           <p:nvPr/>
         </p:nvSpPr>
@@ -7724,6 +7696,34 @@
           </a:p>
         </p:txBody>
       </p:sp>
+      <p:pic>
+        <p:nvPicPr>
+          <p:cNvPr id="81" name="Google Shape;81;p16"/>
+          <p:cNvPicPr preferRelativeResize="0"/>
+          <p:nvPr/>
+        </p:nvPicPr>
+        <p:blipFill>
+          <a:blip r:embed="rId3">
+            <a:alphaModFix/>
+          </a:blip>
+          <a:stretch>
+            <a:fillRect/>
+          </a:stretch>
+        </p:blipFill>
+        <p:spPr>
+          <a:xfrm>
+            <a:off x="3726050" y="445025"/>
+            <a:ext cx="5019926" cy="3770275"/>
+          </a:xfrm>
+          <a:prstGeom prst="rect">
+            <a:avLst/>
+          </a:prstGeom>
+          <a:noFill/>
+          <a:ln>
+            <a:noFill/>
+          </a:ln>
+        </p:spPr>
+      </p:pic>
     </p:spTree>
   </p:cSld>
   <p:clrMapOvr>
@@ -7789,37 +7789,9 @@
           </a:p>
         </p:txBody>
       </p:sp>
-      <p:pic>
-        <p:nvPicPr>
-          <p:cNvPr id="87" name="Google Shape;87;p17"/>
-          <p:cNvPicPr preferRelativeResize="0"/>
-          <p:nvPr/>
-        </p:nvPicPr>
-        <p:blipFill>
-          <a:blip r:embed="rId3">
-            <a:alphaModFix/>
-          </a:blip>
-          <a:stretch>
-            <a:fillRect/>
-          </a:stretch>
-        </p:blipFill>
-        <p:spPr>
-          <a:xfrm>
-            <a:off x="198225" y="1024850"/>
-            <a:ext cx="4335026" cy="3856224"/>
-          </a:xfrm>
-          <a:prstGeom prst="rect">
-            <a:avLst/>
-          </a:prstGeom>
-          <a:noFill/>
-          <a:ln>
-            <a:noFill/>
-          </a:ln>
-        </p:spPr>
-      </p:pic>
       <p:sp>
         <p:nvSpPr>
-          <p:cNvPr id="88" name="Google Shape;88;p17"/>
+          <p:cNvPr id="87" name="Google Shape;87;p17"/>
           <p:cNvSpPr txBox="1"/>
           <p:nvPr/>
         </p:nvSpPr>
@@ -7908,122 +7880,162 @@
             </a:endParaRPr>
           </a:p>
           <a:p>
-            <a:pPr indent="-317500" lvl="0" marL="457200" rtl="0" algn="l">
-              <a:spcBef>
-                <a:spcPts val="0"/>
-              </a:spcBef>
-              <a:spcAft>
-                <a:spcPts val="0"/>
-              </a:spcAft>
-              <a:buSzPts val="1400"/>
+            <a:pPr indent="-304800" lvl="0" marL="457200" marR="0" rtl="0" algn="l">
+              <a:lnSpc>
+                <a:spcPct val="100000"/>
+              </a:lnSpc>
+              <a:spcBef>
+                <a:spcPts val="0"/>
+              </a:spcBef>
+              <a:spcAft>
+                <a:spcPts val="0"/>
+              </a:spcAft>
+              <a:buClr>
+                <a:srgbClr val="000000"/>
+              </a:buClr>
+              <a:buSzPts val="1200"/>
               <a:buFont typeface="Source Sans Pro"/>
               <a:buChar char="●"/>
             </a:pPr>
             <a:r>
-              <a:rPr lang="en">
+              <a:rPr b="1" lang="en" sz="1200">
                 <a:solidFill>
                   <a:schemeClr val="dk2"/>
                 </a:solidFill>
-                <a:latin typeface="Source Sans Pro"/>
-                <a:ea typeface="Source Sans Pro"/>
-                <a:cs typeface="Source Sans Pro"/>
-                <a:sym typeface="Source Sans Pro"/>
+                <a:highlight>
+                  <a:srgbClr val="FFFFFF"/>
+                </a:highlight>
               </a:rPr>
-              <a:t>Logistic Regression</a:t>
+              <a:t>XGBoost:</a:t>
             </a:r>
-            <a:endParaRPr>
-              <a:latin typeface="Source Sans Pro"/>
-              <a:ea typeface="Source Sans Pro"/>
-              <a:cs typeface="Source Sans Pro"/>
-              <a:sym typeface="Source Sans Pro"/>
+            <a:endParaRPr b="1" sz="1200">
+              <a:solidFill>
+                <a:schemeClr val="dk2"/>
+              </a:solidFill>
+              <a:highlight>
+                <a:srgbClr val="FFFFFF"/>
+              </a:highlight>
             </a:endParaRPr>
           </a:p>
           <a:p>
-            <a:pPr indent="-317500" lvl="1" marL="914400" rtl="0" algn="l">
-              <a:spcBef>
-                <a:spcPts val="0"/>
-              </a:spcBef>
-              <a:spcAft>
-                <a:spcPts val="0"/>
-              </a:spcAft>
-              <a:buSzPts val="1400"/>
+            <a:pPr indent="-304800" lvl="1" marL="914400" marR="0" rtl="0" algn="l">
+              <a:lnSpc>
+                <a:spcPct val="100000"/>
+              </a:lnSpc>
+              <a:spcBef>
+                <a:spcPts val="0"/>
+              </a:spcBef>
+              <a:spcAft>
+                <a:spcPts val="0"/>
+              </a:spcAft>
+              <a:buClr>
+                <a:srgbClr val="000000"/>
+              </a:buClr>
+              <a:buSzPts val="1200"/>
               <a:buFont typeface="Source Sans Pro"/>
               <a:buChar char="○"/>
             </a:pPr>
             <a:r>
-              <a:rPr lang="en">
-                <a:latin typeface="Source Sans Pro"/>
-                <a:ea typeface="Source Sans Pro"/>
-                <a:cs typeface="Source Sans Pro"/>
-                <a:sym typeface="Source Sans Pro"/>
+              <a:rPr lang="en" sz="1200">
+                <a:solidFill>
+                  <a:schemeClr val="dk2"/>
+                </a:solidFill>
+                <a:highlight>
+                  <a:srgbClr val="FFFFFF"/>
+                </a:highlight>
               </a:rPr>
-              <a:t>Precision :72.69%</a:t>
+              <a:t>Precision :70.8812%</a:t>
             </a:r>
-            <a:endParaRPr>
-              <a:latin typeface="Source Sans Pro"/>
-              <a:ea typeface="Source Sans Pro"/>
-              <a:cs typeface="Source Sans Pro"/>
-              <a:sym typeface="Source Sans Pro"/>
+            <a:endParaRPr sz="1200">
+              <a:solidFill>
+                <a:schemeClr val="dk2"/>
+              </a:solidFill>
+              <a:highlight>
+                <a:srgbClr val="FFFFFF"/>
+              </a:highlight>
             </a:endParaRPr>
           </a:p>
           <a:p>
-            <a:pPr indent="-317500" lvl="1" marL="914400" rtl="0" algn="l">
-              <a:spcBef>
-                <a:spcPts val="0"/>
-              </a:spcBef>
-              <a:spcAft>
-                <a:spcPts val="0"/>
-              </a:spcAft>
-              <a:buSzPts val="1400"/>
+            <a:pPr indent="-304800" lvl="1" marL="914400" marR="0" rtl="0" algn="l">
+              <a:lnSpc>
+                <a:spcPct val="100000"/>
+              </a:lnSpc>
+              <a:spcBef>
+                <a:spcPts val="0"/>
+              </a:spcBef>
+              <a:spcAft>
+                <a:spcPts val="0"/>
+              </a:spcAft>
+              <a:buClr>
+                <a:srgbClr val="000000"/>
+              </a:buClr>
+              <a:buSzPts val="1200"/>
               <a:buFont typeface="Source Sans Pro"/>
               <a:buChar char="○"/>
             </a:pPr>
             <a:r>
-              <a:rPr lang="en">
-                <a:latin typeface="Source Sans Pro"/>
-                <a:ea typeface="Source Sans Pro"/>
-                <a:cs typeface="Source Sans Pro"/>
-                <a:sym typeface="Source Sans Pro"/>
+              <a:rPr lang="en" sz="1200">
+                <a:solidFill>
+                  <a:schemeClr val="dk2"/>
+                </a:solidFill>
+                <a:highlight>
+                  <a:srgbClr val="FFFFFF"/>
+                </a:highlight>
               </a:rPr>
-              <a:t>Recall: 21.18%</a:t>
+              <a:t>Recall: 19.4737%</a:t>
             </a:r>
-            <a:endParaRPr>
-              <a:latin typeface="Source Sans Pro"/>
-              <a:ea typeface="Source Sans Pro"/>
-              <a:cs typeface="Source Sans Pro"/>
-              <a:sym typeface="Source Sans Pro"/>
+            <a:endParaRPr sz="1200">
+              <a:solidFill>
+                <a:schemeClr val="dk2"/>
+              </a:solidFill>
+              <a:highlight>
+                <a:srgbClr val="FFFFFF"/>
+              </a:highlight>
             </a:endParaRPr>
           </a:p>
           <a:p>
-            <a:pPr indent="-317500" lvl="1" marL="914400" rtl="0" algn="l">
-              <a:spcBef>
-                <a:spcPts val="0"/>
-              </a:spcBef>
-              <a:spcAft>
-                <a:spcPts val="0"/>
-              </a:spcAft>
-              <a:buSzPts val="1400"/>
+            <a:pPr indent="-304800" lvl="1" marL="914400" marR="0" rtl="0" algn="l">
+              <a:lnSpc>
+                <a:spcPct val="100000"/>
+              </a:lnSpc>
+              <a:spcBef>
+                <a:spcPts val="0"/>
+              </a:spcBef>
+              <a:spcAft>
+                <a:spcPts val="0"/>
+              </a:spcAft>
+              <a:buClr>
+                <a:srgbClr val="000000"/>
+              </a:buClr>
+              <a:buSzPts val="1200"/>
               <a:buFont typeface="Source Sans Pro"/>
               <a:buChar char="○"/>
             </a:pPr>
             <a:r>
-              <a:rPr lang="en">
-                <a:latin typeface="Source Sans Pro"/>
-                <a:ea typeface="Source Sans Pro"/>
-                <a:cs typeface="Source Sans Pro"/>
-                <a:sym typeface="Source Sans Pro"/>
+              <a:rPr lang="en" sz="1200">
+                <a:solidFill>
+                  <a:schemeClr val="dk2"/>
+                </a:solidFill>
+                <a:highlight>
+                  <a:srgbClr val="FFFFFF"/>
+                </a:highlight>
               </a:rPr>
-              <a:t>F-1: 32.81%</a:t>
+              <a:t>F-1: 30.5533%</a:t>
             </a:r>
-            <a:endParaRPr>
-              <a:latin typeface="Source Sans Pro"/>
-              <a:ea typeface="Source Sans Pro"/>
-              <a:cs typeface="Source Sans Pro"/>
-              <a:sym typeface="Source Sans Pro"/>
+            <a:endParaRPr sz="1200">
+              <a:solidFill>
+                <a:schemeClr val="dk2"/>
+              </a:solidFill>
+              <a:highlight>
+                <a:srgbClr val="FFFFFF"/>
+              </a:highlight>
             </a:endParaRPr>
           </a:p>
           <a:p>
-            <a:pPr indent="0" lvl="0" marL="0" rtl="0" algn="l">
+            <a:pPr indent="0" lvl="0" marL="457200" marR="0" rtl="0" algn="l">
+              <a:lnSpc>
+                <a:spcPct val="100000"/>
+              </a:lnSpc>
               <a:spcBef>
                 <a:spcPts val="0"/>
               </a:spcBef>
@@ -8035,119 +8047,167 @@
             <a:r>
               <a:t/>
             </a:r>
-            <a:endParaRPr>
-              <a:latin typeface="Source Sans Pro"/>
-              <a:ea typeface="Source Sans Pro"/>
-              <a:cs typeface="Source Sans Pro"/>
-              <a:sym typeface="Source Sans Pro"/>
+            <a:endParaRPr sz="1200">
+              <a:solidFill>
+                <a:schemeClr val="dk2"/>
+              </a:solidFill>
+              <a:highlight>
+                <a:srgbClr val="FFFFFF"/>
+              </a:highlight>
             </a:endParaRPr>
           </a:p>
           <a:p>
-            <a:pPr indent="-317500" lvl="0" marL="457200" rtl="0" algn="l">
-              <a:spcBef>
-                <a:spcPts val="0"/>
-              </a:spcBef>
-              <a:spcAft>
-                <a:spcPts val="0"/>
-              </a:spcAft>
-              <a:buSzPts val="1400"/>
+            <a:pPr indent="-304800" lvl="0" marL="457200" marR="0" rtl="0" algn="l">
+              <a:lnSpc>
+                <a:spcPct val="100000"/>
+              </a:lnSpc>
+              <a:spcBef>
+                <a:spcPts val="0"/>
+              </a:spcBef>
+              <a:spcAft>
+                <a:spcPts val="0"/>
+              </a:spcAft>
+              <a:buClr>
+                <a:srgbClr val="000000"/>
+              </a:buClr>
+              <a:buSzPts val="1200"/>
               <a:buFont typeface="Source Sans Pro"/>
               <a:buChar char="●"/>
             </a:pPr>
             <a:r>
-              <a:rPr lang="en">
-                <a:latin typeface="Source Sans Pro"/>
-                <a:ea typeface="Source Sans Pro"/>
-                <a:cs typeface="Source Sans Pro"/>
-                <a:sym typeface="Source Sans Pro"/>
+              <a:rPr b="1" lang="en" sz="1200">
+                <a:solidFill>
+                  <a:schemeClr val="dk2"/>
+                </a:solidFill>
+                <a:highlight>
+                  <a:srgbClr val="FFFFFF"/>
+                </a:highlight>
               </a:rPr>
-              <a:t>AdaBoost Algorithm</a:t>
+              <a:t>AdaBoost</a:t>
             </a:r>
-            <a:endParaRPr>
-              <a:latin typeface="Source Sans Pro"/>
-              <a:ea typeface="Source Sans Pro"/>
-              <a:cs typeface="Source Sans Pro"/>
-              <a:sym typeface="Source Sans Pro"/>
+            <a:r>
+              <a:rPr lang="en" sz="1200">
+                <a:solidFill>
+                  <a:schemeClr val="dk2"/>
+                </a:solidFill>
+                <a:highlight>
+                  <a:srgbClr val="FFFFFF"/>
+                </a:highlight>
+              </a:rPr>
+              <a:t>:</a:t>
+            </a:r>
+            <a:endParaRPr sz="1200">
+              <a:solidFill>
+                <a:schemeClr val="dk2"/>
+              </a:solidFill>
+              <a:highlight>
+                <a:srgbClr val="FFFFFF"/>
+              </a:highlight>
             </a:endParaRPr>
           </a:p>
           <a:p>
-            <a:pPr indent="-317500" lvl="1" marL="914400" rtl="0" algn="l">
-              <a:spcBef>
-                <a:spcPts val="0"/>
-              </a:spcBef>
-              <a:spcAft>
-                <a:spcPts val="0"/>
-              </a:spcAft>
-              <a:buSzPts val="1400"/>
+            <a:pPr indent="-304800" lvl="1" marL="914400" marR="0" rtl="0" algn="l">
+              <a:lnSpc>
+                <a:spcPct val="100000"/>
+              </a:lnSpc>
+              <a:spcBef>
+                <a:spcPts val="0"/>
+              </a:spcBef>
+              <a:spcAft>
+                <a:spcPts val="0"/>
+              </a:spcAft>
+              <a:buClr>
+                <a:srgbClr val="000000"/>
+              </a:buClr>
+              <a:buSzPts val="1200"/>
               <a:buFont typeface="Source Sans Pro"/>
               <a:buChar char="○"/>
             </a:pPr>
             <a:r>
-              <a:rPr lang="en">
-                <a:latin typeface="Source Sans Pro"/>
-                <a:ea typeface="Source Sans Pro"/>
-                <a:cs typeface="Source Sans Pro"/>
-                <a:sym typeface="Source Sans Pro"/>
+              <a:rPr lang="en" sz="1200">
+                <a:solidFill>
+                  <a:schemeClr val="dk2"/>
+                </a:solidFill>
+                <a:highlight>
+                  <a:srgbClr val="FFFFFF"/>
+                </a:highlight>
               </a:rPr>
-              <a:t>Precision :65.52%</a:t>
+              <a:t>Precision :68.5714%</a:t>
             </a:r>
-            <a:endParaRPr>
-              <a:latin typeface="Source Sans Pro"/>
-              <a:ea typeface="Source Sans Pro"/>
-              <a:cs typeface="Source Sans Pro"/>
-              <a:sym typeface="Source Sans Pro"/>
+            <a:endParaRPr sz="1200">
+              <a:solidFill>
+                <a:schemeClr val="dk2"/>
+              </a:solidFill>
+              <a:highlight>
+                <a:srgbClr val="FFFFFF"/>
+              </a:highlight>
             </a:endParaRPr>
           </a:p>
           <a:p>
-            <a:pPr indent="-317500" lvl="1" marL="914400" rtl="0" algn="l">
-              <a:spcBef>
-                <a:spcPts val="0"/>
-              </a:spcBef>
-              <a:spcAft>
-                <a:spcPts val="0"/>
-              </a:spcAft>
-              <a:buSzPts val="1400"/>
+            <a:pPr indent="-304800" lvl="1" marL="914400" marR="0" rtl="0" algn="l">
+              <a:lnSpc>
+                <a:spcPct val="100000"/>
+              </a:lnSpc>
+              <a:spcBef>
+                <a:spcPts val="0"/>
+              </a:spcBef>
+              <a:spcAft>
+                <a:spcPts val="0"/>
+              </a:spcAft>
+              <a:buClr>
+                <a:srgbClr val="000000"/>
+              </a:buClr>
+              <a:buSzPts val="1200"/>
               <a:buFont typeface="Source Sans Pro"/>
               <a:buChar char="○"/>
             </a:pPr>
             <a:r>
-              <a:rPr lang="en">
-                <a:latin typeface="Source Sans Pro"/>
-                <a:ea typeface="Source Sans Pro"/>
-                <a:cs typeface="Source Sans Pro"/>
-                <a:sym typeface="Source Sans Pro"/>
+              <a:rPr lang="en" sz="1200">
+                <a:solidFill>
+                  <a:schemeClr val="dk2"/>
+                </a:solidFill>
+                <a:highlight>
+                  <a:srgbClr val="FFFFFF"/>
+                </a:highlight>
               </a:rPr>
-              <a:t>Recall: 22.47%</a:t>
+              <a:t>Recall: 20.2105%</a:t>
             </a:r>
-            <a:endParaRPr>
-              <a:latin typeface="Source Sans Pro"/>
-              <a:ea typeface="Source Sans Pro"/>
-              <a:cs typeface="Source Sans Pro"/>
-              <a:sym typeface="Source Sans Pro"/>
+            <a:endParaRPr sz="1200">
+              <a:solidFill>
+                <a:schemeClr val="dk2"/>
+              </a:solidFill>
+              <a:highlight>
+                <a:srgbClr val="FFFFFF"/>
+              </a:highlight>
             </a:endParaRPr>
           </a:p>
           <a:p>
-            <a:pPr indent="-317500" lvl="1" marL="914400" rtl="0" algn="l">
-              <a:spcBef>
-                <a:spcPts val="0"/>
-              </a:spcBef>
-              <a:spcAft>
-                <a:spcPts val="0"/>
-              </a:spcAft>
-              <a:buSzPts val="1400"/>
+            <a:pPr indent="-304800" lvl="1" marL="914400" rtl="0" algn="l">
+              <a:lnSpc>
+                <a:spcPct val="115000"/>
+              </a:lnSpc>
+              <a:spcBef>
+                <a:spcPts val="0"/>
+              </a:spcBef>
+              <a:spcAft>
+                <a:spcPts val="0"/>
+              </a:spcAft>
+              <a:buSzPts val="1200"/>
               <a:buFont typeface="Source Sans Pro"/>
               <a:buChar char="○"/>
             </a:pPr>
             <a:r>
-              <a:rPr lang="en">
-                <a:latin typeface="Source Sans Pro"/>
-                <a:ea typeface="Source Sans Pro"/>
-                <a:cs typeface="Source Sans Pro"/>
-                <a:sym typeface="Source Sans Pro"/>
+              <a:rPr lang="en" sz="1200">
+                <a:solidFill>
+                  <a:schemeClr val="dk2"/>
+                </a:solidFill>
+                <a:highlight>
+                  <a:srgbClr val="FFFFFF"/>
+                </a:highlight>
               </a:rPr>
-              <a:t>F-1: 33.47%</a:t>
+              <a:t>F-1: 31.2195%</a:t>
             </a:r>
-            <a:endParaRPr>
+            <a:endParaRPr sz="1200">
               <a:latin typeface="Source Sans Pro"/>
               <a:ea typeface="Source Sans Pro"/>
               <a:cs typeface="Source Sans Pro"/>
@@ -8156,6 +8216,34 @@
           </a:p>
         </p:txBody>
       </p:sp>
+      <p:pic>
+        <p:nvPicPr>
+          <p:cNvPr id="88" name="Google Shape;88;p17"/>
+          <p:cNvPicPr preferRelativeResize="0"/>
+          <p:nvPr/>
+        </p:nvPicPr>
+        <p:blipFill>
+          <a:blip r:embed="rId3">
+            <a:alphaModFix/>
+          </a:blip>
+          <a:stretch>
+            <a:fillRect/>
+          </a:stretch>
+        </p:blipFill>
+        <p:spPr>
+          <a:xfrm>
+            <a:off x="461850" y="1082650"/>
+            <a:ext cx="4238409" cy="3770276"/>
+          </a:xfrm>
+          <a:prstGeom prst="rect">
+            <a:avLst/>
+          </a:prstGeom>
+          <a:noFill/>
+          <a:ln>
+            <a:noFill/>
+          </a:ln>
+        </p:spPr>
+      </p:pic>
     </p:spTree>
   </p:cSld>
   <p:clrMapOvr>
@@ -8277,7 +8365,7 @@
             </a:pPr>
             <a:r>
               <a:rPr lang="en"/>
-              <a:t>Logistic Regression can correctly predict  more than 73% of the time that a customer has signed up for the term deposit.</a:t>
+              <a:t>XGBoost can correctly predict  more than 73% of the time that a customer has signed up for the term deposit.</a:t>
             </a:r>
             <a:endParaRPr/>
           </a:p>
@@ -8311,11 +8399,11 @@
             </a:pPr>
             <a:r>
               <a:rPr lang="en"/>
-              <a:t>Logistic Regression is</a:t>
+              <a:t>XGBoost is</a:t>
             </a:r>
             <a:r>
               <a:rPr lang="en"/>
-              <a:t> efficient and relatively light on computational resources, and it outputs well-calibrated predicted probabilities</a:t>
+              <a:t> scalable and was developed with model accuracy and computational speed in mind</a:t>
             </a:r>
             <a:endParaRPr/>
           </a:p>
